--- a/assets/ppt2video.pptx
+++ b/assets/ppt2video.pptx
@@ -3364,44 +3364,6 @@
           </a:p>
         </p:txBody>
       </p:sp>
-      <p:pic>
-        <p:nvPicPr>
-          <p:cNvPr id="4" name="video_1">
-            <a:hlinkClick r:id="" action="ppaction://media"/>
-            <a:extLst>
-              <a:ext uri="{FF2B5EF4-FFF2-40B4-BE49-F238E27FC236}">
-                <a16:creationId xmlns:a16="http://schemas.microsoft.com/office/drawing/2014/main" id="{B6477BFF-B84B-3ADA-2CF9-F9AE5DDA78C0}"/>
-              </a:ext>
-            </a:extLst>
-          </p:cNvPr>
-          <p:cNvPicPr>
-            <a:picLocks noChangeAspect="1"/>
-          </p:cNvPicPr>
-          <p:nvPr>
-            <a:audioFile r:link="rId2"/>
-            <p:extLst>
-              <p:ext uri="{DAA4B4D4-6D71-4841-9C94-3DE7FCFB9230}">
-                <p14:media xmlns:p14="http://schemas.microsoft.com/office/powerpoint/2010/main" r:embed="rId1"/>
-              </p:ext>
-            </p:extLst>
-          </p:nvPr>
-        </p:nvPicPr>
-        <p:blipFill>
-          <a:blip r:embed="rId4"/>
-          <a:stretch>
-            <a:fillRect/>
-          </a:stretch>
-        </p:blipFill>
-        <p:spPr>
-          <a:xfrm>
-            <a:off x="0" y="0"/>
-            <a:ext cx="812800" cy="812800"/>
-          </a:xfrm>
-          <a:prstGeom prst="rect">
-            <a:avLst/>
-          </a:prstGeom>
-        </p:spPr>
-      </p:pic>
     </p:spTree>
     <p:extLst>
       <p:ext uri="{BB962C8B-B14F-4D97-AF65-F5344CB8AC3E}">
@@ -3412,102 +3374,6 @@
   <p:clrMapOvr>
     <a:masterClrMapping/>
   </p:clrMapOvr>
-  <mc:AlternateContent xmlns:mc="http://schemas.openxmlformats.org/markup-compatibility/2006">
-    <mc:Choice xmlns:p14="http://schemas.microsoft.com/office/powerpoint/2010/main" Requires="p14">
-      <p:transition spd="slow" p14:dur="2000" advTm="12000">
-        <p:cut/>
-      </p:transition>
-    </mc:Choice>
-    <mc:Fallback>
-      <p:transition spd="slow" advTm="12000">
-        <p:cut/>
-      </p:transition>
-    </mc:Fallback>
-  </mc:AlternateContent>
-  <p:timing>
-    <p:tnLst>
-      <p:par>
-        <p:cTn id="1" dur="indefinite" restart="never" nodeType="tmRoot">
-          <p:childTnLst>
-            <p:seq concurrent="1" nextAc="seek">
-              <p:cTn id="2" dur="indefinite" nodeType="mainSeq">
-                <p:childTnLst>
-                  <p:par>
-                    <p:cTn id="3" fill="hold">
-                      <p:stCondLst>
-                        <p:cond delay="indefinite"/>
-                      </p:stCondLst>
-                      <p:childTnLst>
-                        <p:par>
-                          <p:cTn id="4" fill="hold">
-                            <p:stCondLst>
-                              <p:cond delay="0"/>
-                            </p:stCondLst>
-                            <p:childTnLst>
-                              <p:par>
-                                <p:cTn id="5" presetID="1" presetClass="mediacall" presetSubtype="0" fill="hold" nodeType="clickEffect">
-                                  <p:stCondLst>
-                                    <p:cond delay="0"/>
-                                  </p:stCondLst>
-                                  <p:childTnLst>
-                                    <p:cmd type="call" cmd="playFrom(0.0)">
-                                      <p:cBhvr>
-                                        <p:cTn id="6" dur="11304" fill="hold"/>
-                                        <p:tgtEl>
-                                          <p:spTgt spid="4"/>
-                                        </p:tgtEl>
-                                      </p:cBhvr>
-                                    </p:cmd>
-                                  </p:childTnLst>
-                                </p:cTn>
-                              </p:par>
-                            </p:childTnLst>
-                          </p:cTn>
-                        </p:par>
-                      </p:childTnLst>
-                    </p:cTn>
-                  </p:par>
-                </p:childTnLst>
-              </p:cTn>
-              <p:prevCondLst>
-                <p:cond evt="onPrev" delay="0">
-                  <p:tgtEl>
-                    <p:sldTgt/>
-                  </p:tgtEl>
-                </p:cond>
-              </p:prevCondLst>
-              <p:nextCondLst>
-                <p:cond evt="onNext" delay="0">
-                  <p:tgtEl>
-                    <p:sldTgt/>
-                  </p:tgtEl>
-                </p:cond>
-              </p:nextCondLst>
-            </p:seq>
-            <p:audio>
-              <p:cMediaNode vol="80000" showWhenStopped="0">
-                <p:cTn id="7" fill="hold" display="0">
-                  <p:stCondLst>
-                    <p:cond delay="indefinite"/>
-                  </p:stCondLst>
-                  <p:endCondLst>
-                    <p:cond evt="onStopAudio" delay="0">
-                      <p:tgtEl>
-                        <p:sldTgt/>
-                      </p:tgtEl>
-                    </p:cond>
-                  </p:endCondLst>
-                </p:cTn>
-                <p:tgtEl>
-                  <p:spTgt spid="4"/>
-                </p:tgtEl>
-              </p:cMediaNode>
-            </p:audio>
-          </p:childTnLst>
-        </p:cTn>
-      </p:par>
-    </p:tnLst>
-  </p:timing>
 </p:sld>
 </file>
 
@@ -3858,44 +3724,6 @@
           </a:p>
         </p:txBody>
       </p:sp>
-      <p:pic>
-        <p:nvPicPr>
-          <p:cNvPr id="3" name="video_2">
-            <a:hlinkClick r:id="" action="ppaction://media"/>
-            <a:extLst>
-              <a:ext uri="{FF2B5EF4-FFF2-40B4-BE49-F238E27FC236}">
-                <a16:creationId xmlns:a16="http://schemas.microsoft.com/office/drawing/2014/main" id="{735F69EE-2A30-1A21-ABB3-535D9988ED2F}"/>
-              </a:ext>
-            </a:extLst>
-          </p:cNvPr>
-          <p:cNvPicPr>
-            <a:picLocks noChangeAspect="1"/>
-          </p:cNvPicPr>
-          <p:nvPr>
-            <a:audioFile r:link="rId2"/>
-            <p:extLst>
-              <p:ext uri="{DAA4B4D4-6D71-4841-9C94-3DE7FCFB9230}">
-                <p14:media xmlns:p14="http://schemas.microsoft.com/office/powerpoint/2010/main" r:embed="rId1"/>
-              </p:ext>
-            </p:extLst>
-          </p:nvPr>
-        </p:nvPicPr>
-        <p:blipFill>
-          <a:blip r:embed="rId4"/>
-          <a:stretch>
-            <a:fillRect/>
-          </a:stretch>
-        </p:blipFill>
-        <p:spPr>
-          <a:xfrm>
-            <a:off x="0" y="0"/>
-            <a:ext cx="812800" cy="812800"/>
-          </a:xfrm>
-          <a:prstGeom prst="rect">
-            <a:avLst/>
-          </a:prstGeom>
-        </p:spPr>
-      </p:pic>
     </p:spTree>
     <p:extLst>
       <p:ext uri="{BB962C8B-B14F-4D97-AF65-F5344CB8AC3E}">
@@ -3906,102 +3734,6 @@
   <p:clrMapOvr>
     <a:masterClrMapping/>
   </p:clrMapOvr>
-  <mc:AlternateContent xmlns:mc="http://schemas.openxmlformats.org/markup-compatibility/2006">
-    <mc:Choice xmlns:p14="http://schemas.microsoft.com/office/powerpoint/2010/main" Requires="p14">
-      <p:transition spd="slow" p14:dur="2000" advTm="47000">
-        <p:cut/>
-      </p:transition>
-    </mc:Choice>
-    <mc:Fallback>
-      <p:transition spd="slow" advTm="47000">
-        <p:cut/>
-      </p:transition>
-    </mc:Fallback>
-  </mc:AlternateContent>
-  <p:timing>
-    <p:tnLst>
-      <p:par>
-        <p:cTn id="1" dur="indefinite" restart="never" nodeType="tmRoot">
-          <p:childTnLst>
-            <p:seq concurrent="1" nextAc="seek">
-              <p:cTn id="2" dur="indefinite" nodeType="mainSeq">
-                <p:childTnLst>
-                  <p:par>
-                    <p:cTn id="3" fill="hold">
-                      <p:stCondLst>
-                        <p:cond delay="indefinite"/>
-                      </p:stCondLst>
-                      <p:childTnLst>
-                        <p:par>
-                          <p:cTn id="4" fill="hold">
-                            <p:stCondLst>
-                              <p:cond delay="0"/>
-                            </p:stCondLst>
-                            <p:childTnLst>
-                              <p:par>
-                                <p:cTn id="5" presetID="1" presetClass="mediacall" presetSubtype="0" fill="hold" nodeType="clickEffect">
-                                  <p:stCondLst>
-                                    <p:cond delay="0"/>
-                                  </p:stCondLst>
-                                  <p:childTnLst>
-                                    <p:cmd type="call" cmd="playFrom(0.0)">
-                                      <p:cBhvr>
-                                        <p:cTn id="6" dur="46128" fill="hold"/>
-                                        <p:tgtEl>
-                                          <p:spTgt spid="3"/>
-                                        </p:tgtEl>
-                                      </p:cBhvr>
-                                    </p:cmd>
-                                  </p:childTnLst>
-                                </p:cTn>
-                              </p:par>
-                            </p:childTnLst>
-                          </p:cTn>
-                        </p:par>
-                      </p:childTnLst>
-                    </p:cTn>
-                  </p:par>
-                </p:childTnLst>
-              </p:cTn>
-              <p:prevCondLst>
-                <p:cond evt="onPrev" delay="0">
-                  <p:tgtEl>
-                    <p:sldTgt/>
-                  </p:tgtEl>
-                </p:cond>
-              </p:prevCondLst>
-              <p:nextCondLst>
-                <p:cond evt="onNext" delay="0">
-                  <p:tgtEl>
-                    <p:sldTgt/>
-                  </p:tgtEl>
-                </p:cond>
-              </p:nextCondLst>
-            </p:seq>
-            <p:audio>
-              <p:cMediaNode vol="80000" showWhenStopped="0">
-                <p:cTn id="7" fill="hold" display="0">
-                  <p:stCondLst>
-                    <p:cond delay="indefinite"/>
-                  </p:stCondLst>
-                  <p:endCondLst>
-                    <p:cond evt="onStopAudio" delay="0">
-                      <p:tgtEl>
-                        <p:sldTgt/>
-                      </p:tgtEl>
-                    </p:cond>
-                  </p:endCondLst>
-                </p:cTn>
-                <p:tgtEl>
-                  <p:spTgt spid="3"/>
-                </p:tgtEl>
-              </p:cMediaNode>
-            </p:audio>
-          </p:childTnLst>
-        </p:cTn>
-      </p:par>
-    </p:tnLst>
-  </p:timing>
 </p:sld>
 </file>
 
@@ -4066,44 +3798,6 @@
           </a:p>
         </p:txBody>
       </p:sp>
-      <p:pic>
-        <p:nvPicPr>
-          <p:cNvPr id="4" name="video_3">
-            <a:hlinkClick r:id="" action="ppaction://media"/>
-            <a:extLst>
-              <a:ext uri="{FF2B5EF4-FFF2-40B4-BE49-F238E27FC236}">
-                <a16:creationId xmlns:a16="http://schemas.microsoft.com/office/drawing/2014/main" id="{B3619F51-6C29-2E92-7CB7-BC4A4AE31ACB}"/>
-              </a:ext>
-            </a:extLst>
-          </p:cNvPr>
-          <p:cNvPicPr>
-            <a:picLocks noChangeAspect="1"/>
-          </p:cNvPicPr>
-          <p:nvPr>
-            <a:audioFile r:link="rId2"/>
-            <p:extLst>
-              <p:ext uri="{DAA4B4D4-6D71-4841-9C94-3DE7FCFB9230}">
-                <p14:media xmlns:p14="http://schemas.microsoft.com/office/powerpoint/2010/main" r:embed="rId1"/>
-              </p:ext>
-            </p:extLst>
-          </p:nvPr>
-        </p:nvPicPr>
-        <p:blipFill>
-          <a:blip r:embed="rId4"/>
-          <a:stretch>
-            <a:fillRect/>
-          </a:stretch>
-        </p:blipFill>
-        <p:spPr>
-          <a:xfrm>
-            <a:off x="0" y="0"/>
-            <a:ext cx="812800" cy="812800"/>
-          </a:xfrm>
-          <a:prstGeom prst="rect">
-            <a:avLst/>
-          </a:prstGeom>
-        </p:spPr>
-      </p:pic>
     </p:spTree>
     <p:extLst>
       <p:ext uri="{BB962C8B-B14F-4D97-AF65-F5344CB8AC3E}">
@@ -4114,102 +3808,6 @@
   <p:clrMapOvr>
     <a:masterClrMapping/>
   </p:clrMapOvr>
-  <mc:AlternateContent xmlns:mc="http://schemas.openxmlformats.org/markup-compatibility/2006">
-    <mc:Choice xmlns:p14="http://schemas.microsoft.com/office/powerpoint/2010/main" Requires="p14">
-      <p:transition spd="slow" p14:dur="2000" advTm="3000">
-        <p:cut/>
-      </p:transition>
-    </mc:Choice>
-    <mc:Fallback>
-      <p:transition spd="slow" advTm="3000">
-        <p:cut/>
-      </p:transition>
-    </mc:Fallback>
-  </mc:AlternateContent>
-  <p:timing>
-    <p:tnLst>
-      <p:par>
-        <p:cTn id="1" dur="indefinite" restart="never" nodeType="tmRoot">
-          <p:childTnLst>
-            <p:seq concurrent="1" nextAc="seek">
-              <p:cTn id="2" dur="indefinite" nodeType="mainSeq">
-                <p:childTnLst>
-                  <p:par>
-                    <p:cTn id="3" fill="hold">
-                      <p:stCondLst>
-                        <p:cond delay="indefinite"/>
-                      </p:stCondLst>
-                      <p:childTnLst>
-                        <p:par>
-                          <p:cTn id="4" fill="hold">
-                            <p:stCondLst>
-                              <p:cond delay="0"/>
-                            </p:stCondLst>
-                            <p:childTnLst>
-                              <p:par>
-                                <p:cTn id="5" presetID="1" presetClass="mediacall" presetSubtype="0" fill="hold" nodeType="clickEffect">
-                                  <p:stCondLst>
-                                    <p:cond delay="0"/>
-                                  </p:stCondLst>
-                                  <p:childTnLst>
-                                    <p:cmd type="call" cmd="playFrom(0.0)">
-                                      <p:cBhvr>
-                                        <p:cTn id="6" dur="2832" fill="hold"/>
-                                        <p:tgtEl>
-                                          <p:spTgt spid="4"/>
-                                        </p:tgtEl>
-                                      </p:cBhvr>
-                                    </p:cmd>
-                                  </p:childTnLst>
-                                </p:cTn>
-                              </p:par>
-                            </p:childTnLst>
-                          </p:cTn>
-                        </p:par>
-                      </p:childTnLst>
-                    </p:cTn>
-                  </p:par>
-                </p:childTnLst>
-              </p:cTn>
-              <p:prevCondLst>
-                <p:cond evt="onPrev" delay="0">
-                  <p:tgtEl>
-                    <p:sldTgt/>
-                  </p:tgtEl>
-                </p:cond>
-              </p:prevCondLst>
-              <p:nextCondLst>
-                <p:cond evt="onNext" delay="0">
-                  <p:tgtEl>
-                    <p:sldTgt/>
-                  </p:tgtEl>
-                </p:cond>
-              </p:nextCondLst>
-            </p:seq>
-            <p:audio>
-              <p:cMediaNode vol="80000" showWhenStopped="0">
-                <p:cTn id="7" fill="hold" display="0">
-                  <p:stCondLst>
-                    <p:cond delay="indefinite"/>
-                  </p:stCondLst>
-                  <p:endCondLst>
-                    <p:cond evt="onStopAudio" delay="0">
-                      <p:tgtEl>
-                        <p:sldTgt/>
-                      </p:tgtEl>
-                    </p:cond>
-                  </p:endCondLst>
-                </p:cTn>
-                <p:tgtEl>
-                  <p:spTgt spid="4"/>
-                </p:tgtEl>
-              </p:cMediaNode>
-            </p:audio>
-          </p:childTnLst>
-        </p:cTn>
-      </p:par>
-    </p:tnLst>
-  </p:timing>
 </p:sld>
 </file>
 
